--- a/presentation.pptx
+++ b/presentation.pptx
@@ -142,7 +142,7 @@
         <p:spPr bwMode="auto">
           <a:xfrm>
             <a:off x="8220990" y="1"/>
-            <a:ext cx="3971006" cy="6857460"/>
+            <a:ext cx="3971005" cy="6857460"/>
           </a:xfrm>
           <a:custGeom>
             <a:avLst/>
@@ -4282,7 +4282,7 @@
         <p:spPr bwMode="auto">
           <a:xfrm>
             <a:off x="984107" y="474624"/>
-            <a:ext cx="5463821" cy="4108919"/>
+            <a:ext cx="5463821" cy="4108918"/>
           </a:xfrm>
           <a:custGeom>
             <a:avLst/>
@@ -4369,7 +4369,7 @@
         </p:nvSpPr>
         <p:spPr bwMode="auto">
           <a:xfrm>
-            <a:off x="1045633" y="503197"/>
+            <a:off x="1045632" y="503197"/>
             <a:ext cx="5284893" cy="3974469"/>
           </a:xfrm>
           <a:custGeom>
@@ -5008,7 +5008,7 @@
         </p:nvSpPr>
         <p:spPr bwMode="auto">
           <a:xfrm>
-            <a:off x="1648463" y="4729109"/>
+            <a:off x="1648462" y="4729109"/>
             <a:ext cx="755507" cy="568121"/>
           </a:xfrm>
           <a:custGeom>
@@ -5159,7 +5159,7 @@
         <p:spPr bwMode="auto">
           <a:xfrm>
             <a:off x="2370101" y="5855034"/>
-            <a:ext cx="893514" cy="671935"/>
+            <a:ext cx="893513" cy="671935"/>
           </a:xfrm>
           <a:custGeom>
             <a:avLst/>
@@ -5308,7 +5308,7 @@
         </p:nvSpPr>
         <p:spPr bwMode="auto">
           <a:xfrm>
-            <a:off x="3596921" y="5964721"/>
+            <a:off x="3596920" y="5964721"/>
             <a:ext cx="726439" cy="546215"/>
           </a:xfrm>
           <a:custGeom>
@@ -5383,7 +5383,7 @@
         </p:nvSpPr>
         <p:spPr bwMode="auto">
           <a:xfrm>
-            <a:off x="3037843" y="5578670"/>
+            <a:off x="3037843" y="5578669"/>
             <a:ext cx="977899" cy="735271"/>
           </a:xfrm>
           <a:custGeom>
@@ -5687,7 +5687,7 @@
         <p:spPr bwMode="auto">
           <a:xfrm>
             <a:off x="815413" y="6356353"/>
-            <a:ext cx="2844799" cy="365125"/>
+            <a:ext cx="2844798" cy="365125"/>
           </a:xfrm>
           <a:prstGeom prst="rect">
             <a:avLst/>
@@ -6160,7 +6160,7 @@
             </a:pPr>
             <a:r>
               <a:rPr lang="en-US"/>
-              <a:t>Deep Learing of ABAC in Cloud</a:t>
+              <a:t>Deep Leanring of ABAC in Cloud</a:t>
             </a:r>
             <a:endParaRPr lang="en-US"/>
           </a:p>
@@ -6883,7 +6883,7 @@
         <p:spPr bwMode="auto"/>
         <p:txBody>
           <a:bodyPr vertOverflow="overflow" horzOverflow="overflow" vert="horz" wrap="square" lIns="91440" tIns="45720" rIns="91440" bIns="45720" numCol="1" spcCol="0" rtlCol="0" fromWordArt="0" anchor="t" anchorCtr="0" forceAA="0" upright="0" compatLnSpc="0">
-            <a:normAutofit fontScale="85000" lnSpcReduction="3000"/>
+            <a:normAutofit fontScale="70000" lnSpcReduction="6000"/>
           </a:bodyPr>
           <a:lstStyle/>
           <a:p>
@@ -6957,6 +6957,16 @@
             <a:r>
               <a:rPr/>
               <a:t>” We double the number of convolution filters.</a:t>
+            </a:r>
+            <a:endParaRPr/>
+          </a:p>
+          <a:p>
+            <a:pPr lvl="0">
+              <a:defRPr/>
+            </a:pPr>
+            <a:r>
+              <a:rPr/>
+              <a:t>Through our experimentation, we found that the the if we set num_filters to the length of the feature vector, the model performed the best.</a:t>
             </a:r>
             <a:endParaRPr/>
           </a:p>
@@ -7041,7 +7051,7 @@
         </p:blipFill>
         <p:spPr bwMode="auto">
           <a:xfrm flipH="0" flipV="0">
-            <a:off x="181439" y="1567094"/>
+            <a:off x="239518" y="1567093"/>
             <a:ext cx="5592828" cy="4386348"/>
           </a:xfrm>
           <a:prstGeom prst="rect">
